--- a/3.2.pptx
+++ b/3.2.pptx
@@ -264,7 +264,7 @@
           <a:p>
             <a:fld id="{EE94A58C-3CE8-4947-8A04-D509D57379F3}" type="datetimeFigureOut">
               <a:rPr lang="ko-KR" altLang="en-US" smtClean="0"/>
-              <a:t>2020-11-15</a:t>
+              <a:t>2020-11-24</a:t>
             </a:fld>
             <a:endParaRPr lang="ko-KR" altLang="en-US"/>
           </a:p>
@@ -462,7 +462,7 @@
           <a:p>
             <a:fld id="{EE94A58C-3CE8-4947-8A04-D509D57379F3}" type="datetimeFigureOut">
               <a:rPr lang="ko-KR" altLang="en-US" smtClean="0"/>
-              <a:t>2020-11-15</a:t>
+              <a:t>2020-11-24</a:t>
             </a:fld>
             <a:endParaRPr lang="ko-KR" altLang="en-US"/>
           </a:p>
@@ -670,7 +670,7 @@
           <a:p>
             <a:fld id="{EE94A58C-3CE8-4947-8A04-D509D57379F3}" type="datetimeFigureOut">
               <a:rPr lang="ko-KR" altLang="en-US" smtClean="0"/>
-              <a:t>2020-11-15</a:t>
+              <a:t>2020-11-24</a:t>
             </a:fld>
             <a:endParaRPr lang="ko-KR" altLang="en-US"/>
           </a:p>
@@ -868,7 +868,7 @@
           <a:p>
             <a:fld id="{EE94A58C-3CE8-4947-8A04-D509D57379F3}" type="datetimeFigureOut">
               <a:rPr lang="ko-KR" altLang="en-US" smtClean="0"/>
-              <a:t>2020-11-15</a:t>
+              <a:t>2020-11-24</a:t>
             </a:fld>
             <a:endParaRPr lang="ko-KR" altLang="en-US"/>
           </a:p>
@@ -1143,7 +1143,7 @@
           <a:p>
             <a:fld id="{EE94A58C-3CE8-4947-8A04-D509D57379F3}" type="datetimeFigureOut">
               <a:rPr lang="ko-KR" altLang="en-US" smtClean="0"/>
-              <a:t>2020-11-15</a:t>
+              <a:t>2020-11-24</a:t>
             </a:fld>
             <a:endParaRPr lang="ko-KR" altLang="en-US"/>
           </a:p>
@@ -1408,7 +1408,7 @@
           <a:p>
             <a:fld id="{EE94A58C-3CE8-4947-8A04-D509D57379F3}" type="datetimeFigureOut">
               <a:rPr lang="ko-KR" altLang="en-US" smtClean="0"/>
-              <a:t>2020-11-15</a:t>
+              <a:t>2020-11-24</a:t>
             </a:fld>
             <a:endParaRPr lang="ko-KR" altLang="en-US"/>
           </a:p>
@@ -1820,7 +1820,7 @@
           <a:p>
             <a:fld id="{EE94A58C-3CE8-4947-8A04-D509D57379F3}" type="datetimeFigureOut">
               <a:rPr lang="ko-KR" altLang="en-US" smtClean="0"/>
-              <a:t>2020-11-15</a:t>
+              <a:t>2020-11-24</a:t>
             </a:fld>
             <a:endParaRPr lang="ko-KR" altLang="en-US"/>
           </a:p>
@@ -1961,7 +1961,7 @@
           <a:p>
             <a:fld id="{EE94A58C-3CE8-4947-8A04-D509D57379F3}" type="datetimeFigureOut">
               <a:rPr lang="ko-KR" altLang="en-US" smtClean="0"/>
-              <a:t>2020-11-15</a:t>
+              <a:t>2020-11-24</a:t>
             </a:fld>
             <a:endParaRPr lang="ko-KR" altLang="en-US"/>
           </a:p>
@@ -2074,7 +2074,7 @@
           <a:p>
             <a:fld id="{EE94A58C-3CE8-4947-8A04-D509D57379F3}" type="datetimeFigureOut">
               <a:rPr lang="ko-KR" altLang="en-US" smtClean="0"/>
-              <a:t>2020-11-15</a:t>
+              <a:t>2020-11-24</a:t>
             </a:fld>
             <a:endParaRPr lang="ko-KR" altLang="en-US"/>
           </a:p>
@@ -2385,7 +2385,7 @@
           <a:p>
             <a:fld id="{EE94A58C-3CE8-4947-8A04-D509D57379F3}" type="datetimeFigureOut">
               <a:rPr lang="ko-KR" altLang="en-US" smtClean="0"/>
-              <a:t>2020-11-15</a:t>
+              <a:t>2020-11-24</a:t>
             </a:fld>
             <a:endParaRPr lang="ko-KR" altLang="en-US"/>
           </a:p>
@@ -2673,7 +2673,7 @@
           <a:p>
             <a:fld id="{EE94A58C-3CE8-4947-8A04-D509D57379F3}" type="datetimeFigureOut">
               <a:rPr lang="ko-KR" altLang="en-US" smtClean="0"/>
-              <a:t>2020-11-15</a:t>
+              <a:t>2020-11-24</a:t>
             </a:fld>
             <a:endParaRPr lang="ko-KR" altLang="en-US"/>
           </a:p>
@@ -2914,7 +2914,7 @@
           <a:p>
             <a:fld id="{EE94A58C-3CE8-4947-8A04-D509D57379F3}" type="datetimeFigureOut">
               <a:rPr lang="ko-KR" altLang="en-US" smtClean="0"/>
-              <a:t>2020-11-15</a:t>
+              <a:t>2020-11-24</a:t>
             </a:fld>
             <a:endParaRPr lang="ko-KR" altLang="en-US"/>
           </a:p>
@@ -3373,21 +3373,46 @@
               <a:rPr lang="en-US" altLang="ko-KR" dirty="0"/>
             </a:br>
             <a:r>
-              <a:rPr lang="ko-KR" altLang="en-US" dirty="0" err="1"/>
-              <a:t>바이러스토털</a:t>
+              <a:rPr lang="en-US" altLang="ko-KR" dirty="0"/>
+              <a:t>Hash</a:t>
             </a:r>
             <a:r>
               <a:rPr lang="ko-KR" altLang="en-US" dirty="0"/>
-              <a:t> 공개 </a:t>
+              <a:t> </a:t>
             </a:r>
             <a:r>
               <a:rPr lang="en-US" altLang="ko-KR" dirty="0"/>
-              <a:t>API</a:t>
+              <a:t>value</a:t>
             </a:r>
             <a:r>
               <a:rPr lang="ko-KR" altLang="en-US" dirty="0"/>
-              <a:t>를 이용한 해시 값 질의</a:t>
-            </a:r>
+              <a:t> </a:t>
+            </a:r>
+            <a:r>
+              <a:rPr lang="en-US" altLang="ko-KR" dirty="0"/>
+              <a:t>query</a:t>
+            </a:r>
+            <a:r>
+              <a:rPr lang="ko-KR" altLang="en-US" dirty="0"/>
+              <a:t> </a:t>
+            </a:r>
+            <a:r>
+              <a:rPr lang="en-US" altLang="ko-KR" dirty="0"/>
+              <a:t>using</a:t>
+            </a:r>
+            <a:r>
+              <a:rPr lang="ko-KR" altLang="en-US" dirty="0"/>
+              <a:t> </a:t>
+            </a:r>
+            <a:r>
+              <a:rPr lang="en-US" altLang="ko-KR" dirty="0" err="1"/>
+              <a:t>Virustotal</a:t>
+            </a:r>
+            <a:r>
+              <a:rPr lang="en-US" altLang="ko-KR" dirty="0"/>
+              <a:t> public API</a:t>
+            </a:r>
+            <a:endParaRPr lang="ko-KR" altLang="en-US" dirty="0"/>
           </a:p>
         </p:txBody>
       </p:sp>
@@ -3443,8 +3468,12 @@
           <a:lstStyle/>
           <a:p>
             <a:r>
-              <a:rPr lang="ko-KR" altLang="en-US" dirty="0" err="1"/>
-              <a:t>바이러스토털이란</a:t>
+              <a:rPr lang="en-US" altLang="ko-KR" dirty="0"/>
+              <a:t>What is </a:t>
+            </a:r>
+            <a:r>
+              <a:rPr lang="en-US" altLang="ko-KR" dirty="0" err="1"/>
+              <a:t>Virustotal</a:t>
             </a:r>
             <a:r>
               <a:rPr lang="en-US" altLang="ko-KR" dirty="0"/>
@@ -3478,62 +3507,13 @@
           <a:lstStyle/>
           <a:p>
             <a:r>
-              <a:rPr lang="ko-KR" altLang="en-US" sz="2000" dirty="0" err="1"/>
-              <a:t>바이러스토털은</a:t>
-            </a:r>
-            <a:r>
-              <a:rPr lang="ko-KR" altLang="en-US" sz="2000" dirty="0"/>
-              <a:t> 공개 </a:t>
+              <a:rPr lang="en-US" altLang="ko-KR" sz="2000" dirty="0" err="1"/>
+              <a:t>Virustotal</a:t>
             </a:r>
             <a:r>
               <a:rPr lang="en-US" altLang="ko-KR" sz="2000" dirty="0"/>
-              <a:t>API</a:t>
-            </a:r>
-            <a:r>
-              <a:rPr lang="ko-KR" altLang="en-US" sz="2000" dirty="0"/>
-              <a:t>를 통한 스크립트 작성</a:t>
-            </a:r>
-            <a:r>
-              <a:rPr lang="en-US" altLang="ko-KR" sz="2000" dirty="0"/>
-              <a:t>, </a:t>
-            </a:r>
-            <a:r>
-              <a:rPr lang="ko-KR" altLang="en-US" sz="2000" dirty="0"/>
-              <a:t>파일 등록 자동화</a:t>
-            </a:r>
-            <a:r>
-              <a:rPr lang="en-US" altLang="ko-KR" sz="2000" dirty="0"/>
-              <a:t>, </a:t>
-            </a:r>
-            <a:r>
-              <a:rPr lang="ko-KR" altLang="en-US" sz="2000" dirty="0"/>
-              <a:t>파일</a:t>
-            </a:r>
-            <a:r>
-              <a:rPr lang="en-US" altLang="ko-KR" sz="2000" dirty="0"/>
-              <a:t>/URL </a:t>
-            </a:r>
-            <a:r>
-              <a:rPr lang="ko-KR" altLang="en-US" sz="2000" dirty="0"/>
-              <a:t>스캔 리포트 검색</a:t>
-            </a:r>
-            <a:r>
-              <a:rPr lang="en-US" altLang="ko-KR" sz="2000" dirty="0"/>
-              <a:t>, </a:t>
-            </a:r>
-            <a:r>
-              <a:rPr lang="ko-KR" altLang="en-US" sz="2000" dirty="0"/>
-              <a:t>도메인</a:t>
-            </a:r>
-            <a:r>
-              <a:rPr lang="en-US" altLang="ko-KR" sz="2000" dirty="0"/>
-              <a:t>/IP </a:t>
-            </a:r>
-            <a:r>
-              <a:rPr lang="ko-KR" altLang="en-US" sz="2000" dirty="0"/>
-              <a:t>리포트 검색을 제공한다 </a:t>
-            </a:r>
-            <a:endParaRPr lang="en-US" altLang="ko-KR" sz="2000" dirty="0"/>
+              <a:t> provides script creation, file registration automation, file/URL scan report search, and domain/IP report search through public API</a:t>
+            </a:r>
           </a:p>
         </p:txBody>
       </p:sp>
@@ -3619,21 +3599,18 @@
           <a:lstStyle/>
           <a:p>
             <a:r>
-              <a:rPr lang="ko-KR" altLang="en-US" dirty="0" err="1"/>
-              <a:t>바이러스토털</a:t>
-            </a:r>
-            <a:r>
-              <a:rPr lang="ko-KR" altLang="en-US" dirty="0"/>
-              <a:t> </a:t>
-            </a:r>
-            <a:r>
               <a:rPr lang="en-US" altLang="ko-KR" dirty="0"/>
-              <a:t>API </a:t>
-            </a:r>
-            <a:r>
-              <a:rPr lang="ko-KR" altLang="en-US" dirty="0"/>
-              <a:t>사용 예시</a:t>
-            </a:r>
+              <a:t>Example of using </a:t>
+            </a:r>
+            <a:r>
+              <a:rPr lang="en-US" altLang="ko-KR" dirty="0" err="1"/>
+              <a:t>Virustotal</a:t>
+            </a:r>
+            <a:r>
+              <a:rPr lang="en-US" altLang="ko-KR" dirty="0"/>
+              <a:t> API</a:t>
+            </a:r>
+            <a:endParaRPr lang="ko-KR" altLang="en-US" dirty="0"/>
           </a:p>
         </p:txBody>
       </p:sp>
@@ -4173,35 +4150,22 @@
             <a:pPr algn="ctr"/>
             <a:r>
               <a:rPr lang="en-US" altLang="ko-KR" dirty="0"/>
-              <a:t>- </a:t>
+              <a:t>Python code that returns the hash value of a file </a:t>
+            </a:r>
+          </a:p>
+          <a:p>
+            <a:pPr algn="ctr"/>
+            <a:r>
+              <a:rPr lang="en-US" altLang="ko-KR" dirty="0"/>
+              <a:t>from </a:t>
             </a:r>
             <a:r>
               <a:rPr lang="en-US" altLang="ko-KR" dirty="0" err="1"/>
               <a:t>Virustotal</a:t>
             </a:r>
             <a:r>
-              <a:rPr lang="ko-KR" altLang="en-US" dirty="0"/>
-              <a:t>에서 원하는 파일의 </a:t>
-            </a:r>
-            <a:r>
-              <a:rPr lang="ko-KR" altLang="en-US" dirty="0" err="1"/>
-              <a:t>해쉬값을</a:t>
-            </a:r>
-            <a:r>
-              <a:rPr lang="ko-KR" altLang="en-US" dirty="0"/>
-              <a:t> 받아 </a:t>
-            </a:r>
-            <a:r>
               <a:rPr lang="en-US" altLang="ko-KR" dirty="0"/>
-              <a:t>txt </a:t>
-            </a:r>
-            <a:r>
-              <a:rPr lang="ko-KR" altLang="en-US" dirty="0"/>
-              <a:t>파일로 저장하는 파이썬 코드 </a:t>
-            </a:r>
-            <a:r>
-              <a:rPr lang="en-US" altLang="ko-KR" dirty="0"/>
-              <a:t>- </a:t>
+              <a:t> and saves it as a txt file</a:t>
             </a:r>
             <a:endParaRPr lang="ko-KR" altLang="en-US" dirty="0"/>
           </a:p>
@@ -4259,21 +4223,18 @@
           <a:lstStyle/>
           <a:p>
             <a:r>
-              <a:rPr lang="ko-KR" altLang="en-US" dirty="0" err="1"/>
-              <a:t>바이러스토털</a:t>
-            </a:r>
-            <a:r>
-              <a:rPr lang="ko-KR" altLang="en-US" dirty="0"/>
-              <a:t> </a:t>
-            </a:r>
-            <a:r>
               <a:rPr lang="en-US" altLang="ko-KR" dirty="0"/>
-              <a:t>API </a:t>
-            </a:r>
-            <a:r>
-              <a:rPr lang="ko-KR" altLang="en-US" dirty="0"/>
-              <a:t>사용 예시</a:t>
-            </a:r>
+              <a:t>Example of using </a:t>
+            </a:r>
+            <a:r>
+              <a:rPr lang="en-US" altLang="ko-KR" dirty="0" err="1"/>
+              <a:t>Virustotal</a:t>
+            </a:r>
+            <a:r>
+              <a:rPr lang="en-US" altLang="ko-KR" dirty="0"/>
+              <a:t> API</a:t>
+            </a:r>
+            <a:endParaRPr lang="ko-KR" altLang="en-US" dirty="0"/>
           </a:p>
         </p:txBody>
       </p:sp>
@@ -4308,32 +4269,52 @@
             <a:pPr marL="0" indent="0" algn="ctr">
               <a:buNone/>
             </a:pPr>
-            <a:endParaRPr lang="en-US" altLang="ko-KR" sz="1800" dirty="0"/>
-          </a:p>
-          <a:p>
-            <a:pPr marL="0" indent="0" algn="ctr">
-              <a:buNone/>
-            </a:pPr>
-            <a:r>
-              <a:rPr lang="ko-KR" altLang="en-US" sz="1800" dirty="0"/>
-              <a:t>결과로 나온 </a:t>
-            </a:r>
             <a:r>
               <a:rPr lang="en-US" altLang="ko-KR" sz="1800" dirty="0"/>
-              <a:t>hash </a:t>
-            </a:r>
-            <a:r>
-              <a:rPr lang="ko-KR" altLang="en-US" sz="1800" dirty="0"/>
-              <a:t>값을 </a:t>
+              <a:t>Entering the resulting hash value into </a:t>
             </a:r>
             <a:r>
               <a:rPr lang="en-US" altLang="ko-KR" sz="1800" dirty="0" err="1"/>
               <a:t>Virustotal</a:t>
             </a:r>
             <a:r>
+              <a:rPr lang="en-US" altLang="ko-KR" sz="1800" dirty="0"/>
+              <a:t> </a:t>
+            </a:r>
+          </a:p>
+          <a:p>
+            <a:pPr marL="0" indent="0" algn="ctr">
+              <a:buNone/>
+            </a:pPr>
+            <a:r>
+              <a:rPr lang="en-US" altLang="ko-KR" sz="1800" dirty="0"/>
+              <a:t>allows you to</a:t>
+            </a:r>
+            <a:r>
               <a:rPr lang="ko-KR" altLang="en-US" sz="1800" dirty="0"/>
-              <a:t>에 입력하면 악성코드 유무를 확인할 수 있다</a:t>
-            </a:r>
+              <a:t> </a:t>
+            </a:r>
+            <a:r>
+              <a:rPr lang="en-US" altLang="ko-KR" sz="1800" dirty="0"/>
+              <a:t>check</a:t>
+            </a:r>
+            <a:r>
+              <a:rPr lang="ko-KR" altLang="en-US" sz="1800" dirty="0"/>
+              <a:t> </a:t>
+            </a:r>
+            <a:r>
+              <a:rPr lang="en-US" altLang="ko-KR" sz="1800" dirty="0"/>
+              <a:t>the</a:t>
+            </a:r>
+            <a:r>
+              <a:rPr lang="ko-KR" altLang="en-US" sz="1800" dirty="0"/>
+              <a:t> </a:t>
+            </a:r>
+            <a:r>
+              <a:rPr lang="en-US" altLang="ko-KR" sz="1800" dirty="0"/>
+              <a:t>presence of malicious code</a:t>
+            </a:r>
+            <a:endParaRPr lang="ko-KR" altLang="en-US" sz="1800" dirty="0"/>
           </a:p>
         </p:txBody>
       </p:sp>
@@ -4419,21 +4400,18 @@
           <a:lstStyle/>
           <a:p>
             <a:r>
-              <a:rPr lang="ko-KR" altLang="en-US" dirty="0" err="1"/>
-              <a:t>바이러스토털</a:t>
-            </a:r>
-            <a:r>
-              <a:rPr lang="ko-KR" altLang="en-US" dirty="0"/>
-              <a:t> </a:t>
-            </a:r>
-            <a:r>
               <a:rPr lang="en-US" altLang="ko-KR" dirty="0"/>
-              <a:t>API </a:t>
-            </a:r>
-            <a:r>
-              <a:rPr lang="ko-KR" altLang="en-US" dirty="0"/>
-              <a:t>사용하기</a:t>
-            </a:r>
+              <a:t>Using </a:t>
+            </a:r>
+            <a:r>
+              <a:rPr lang="en-US" altLang="ko-KR" dirty="0" err="1"/>
+              <a:t>Virustotal</a:t>
+            </a:r>
+            <a:r>
+              <a:rPr lang="en-US" altLang="ko-KR" dirty="0"/>
+              <a:t> API</a:t>
+            </a:r>
+            <a:endParaRPr lang="ko-KR" altLang="en-US" dirty="0"/>
           </a:p>
         </p:txBody>
       </p:sp>
@@ -4469,18 +4447,9 @@
               <a:buNone/>
             </a:pPr>
             <a:r>
-              <a:rPr lang="ko-KR" altLang="en-US" sz="1800" dirty="0"/>
-              <a:t>해당 페이지에서 세부 </a:t>
-            </a:r>
-            <a:r>
               <a:rPr lang="en-US" altLang="ko-KR" sz="1800" dirty="0"/>
-              <a:t>API </a:t>
-            </a:r>
-            <a:r>
-              <a:rPr lang="ko-KR" altLang="en-US" sz="1800" dirty="0"/>
-              <a:t>레퍼런스를 확인할 수 있다</a:t>
-            </a:r>
-            <a:endParaRPr lang="en-US" altLang="ko-KR" sz="1800" dirty="0"/>
+              <a:t>Detailed API Reference on this page</a:t>
+            </a:r>
           </a:p>
           <a:p>
             <a:pPr marL="0" indent="0" algn="ctr">
@@ -4576,9 +4545,10 @@
           <a:lstStyle/>
           <a:p>
             <a:r>
-              <a:rPr lang="ko-KR" altLang="en-US" dirty="0"/>
-              <a:t>주의해야할 점</a:t>
-            </a:r>
+              <a:rPr lang="en-US" altLang="ko-KR" dirty="0"/>
+              <a:t>Points to watch out</a:t>
+            </a:r>
+            <a:endParaRPr lang="ko-KR" altLang="en-US" dirty="0"/>
           </a:p>
         </p:txBody>
       </p:sp>
@@ -4606,87 +4576,70 @@
           <a:lstStyle/>
           <a:p>
             <a:r>
-              <a:rPr lang="ko-KR" altLang="en-US" sz="2000" b="1" dirty="0"/>
-              <a:t>의심 바이너리가 백신 스캐닝 엔진에서 탐지되지 않았다고 하여 안전하다는 것은 아니다</a:t>
-            </a:r>
-            <a:endParaRPr lang="en-US" altLang="ko-KR" sz="2000" b="1" dirty="0"/>
+              <a:rPr lang="en-US" altLang="ko-KR" sz="2000" b="1" dirty="0"/>
+              <a:t>Just because the suspicious binary was not detected by scanning, Engine does not mean that is safe</a:t>
+            </a:r>
           </a:p>
           <a:p>
             <a:pPr lvl="1"/>
             <a:r>
-              <a:rPr lang="ko-KR" altLang="en-US" sz="1600" dirty="0"/>
-              <a:t>악성코드 제작자는 해당 부분을 수정하거나 </a:t>
-            </a:r>
-            <a:r>
-              <a:rPr lang="ko-KR" altLang="en-US" sz="1600" dirty="0" err="1"/>
-              <a:t>난독화하여</a:t>
-            </a:r>
-            <a:r>
-              <a:rPr lang="ko-KR" altLang="en-US" sz="1600" dirty="0"/>
-              <a:t> 탐지를 우회할 수 있다</a:t>
-            </a:r>
-            <a:endParaRPr lang="en-US" altLang="ko-KR" sz="1600" dirty="0"/>
-          </a:p>
-          <a:p>
-            <a:r>
-              <a:rPr lang="ko-KR" altLang="en-US" sz="2000" b="1" dirty="0"/>
-              <a:t>공개 사이트에 바이너리를 업로드하면 바이너리는 </a:t>
-            </a:r>
-            <a:r>
-              <a:rPr lang="ko-KR" altLang="en-US" sz="2000" b="1" dirty="0" err="1"/>
-              <a:t>서드파티와</a:t>
-            </a:r>
-            <a:r>
-              <a:rPr lang="ko-KR" altLang="en-US" sz="2000" b="1" dirty="0"/>
-              <a:t> 벤더에 공유될 수 있다</a:t>
-            </a:r>
-            <a:endParaRPr lang="en-US" altLang="ko-KR" sz="2000" b="1" dirty="0"/>
+              <a:rPr lang="en-US" altLang="ko-KR" sz="1600" dirty="0"/>
+              <a:t>Malware makers can bypass detection by </a:t>
+            </a:r>
+            <a:r>
+              <a:rPr lang="en-US" altLang="ko-KR" sz="1600" dirty="0" err="1"/>
+              <a:t>modyfing</a:t>
+            </a:r>
+            <a:r>
+              <a:rPr lang="en-US" altLang="ko-KR" sz="1600" dirty="0"/>
+              <a:t> or obfuscation of the part</a:t>
+            </a:r>
+          </a:p>
+          <a:p>
+            <a:r>
+              <a:rPr lang="en-US" altLang="ko-KR" sz="2000" b="1" dirty="0"/>
+              <a:t>By uploading binaries to public sites, binaries can be shared with third parties and vendors</a:t>
+            </a:r>
           </a:p>
           <a:p>
             <a:pPr lvl="1"/>
             <a:r>
-              <a:rPr lang="ko-KR" altLang="en-US" sz="1600" dirty="0"/>
-              <a:t>의심스러운 바이너리에는 개인적이거나 독점 정보가 </a:t>
-            </a:r>
-            <a:r>
-              <a:rPr lang="ko-KR" altLang="en-US" sz="1600" dirty="0" err="1"/>
-              <a:t>포함되어있을</a:t>
-            </a:r>
-            <a:r>
-              <a:rPr lang="ko-KR" altLang="en-US" sz="1600" dirty="0"/>
-              <a:t> 수 있다</a:t>
-            </a:r>
-            <a:endParaRPr lang="en-US" altLang="ko-KR" sz="1600" dirty="0"/>
+              <a:rPr lang="en-US" altLang="ko-KR" sz="1600" dirty="0"/>
+              <a:t>Suspicious binaries may contain personal or proprietary information</a:t>
+            </a:r>
           </a:p>
           <a:p>
             <a:pPr lvl="1"/>
             <a:r>
-              <a:rPr lang="ko-KR" altLang="en-US" sz="1600" dirty="0"/>
-              <a:t>바이너리 등록 대신 바이너리의 암호 해시를 통해 검색할 수 있다</a:t>
-            </a:r>
-            <a:endParaRPr lang="en-US" altLang="ko-KR" sz="1600" dirty="0"/>
-          </a:p>
-          <a:p>
-            <a:r>
-              <a:rPr lang="ko-KR" altLang="en-US" sz="2000" b="1" dirty="0"/>
-              <a:t>온라인 백신 스캐닝 엔진에 바이너리를 등록하면 스캔 결과가 해당 데이터베이스에 저장되고</a:t>
-            </a:r>
+              <a:rPr lang="en-US" altLang="ko-KR" sz="1600" dirty="0"/>
+              <a:t>Instead of registering a binary, you can search through the binary’s cryptographic hash</a:t>
+            </a:r>
+          </a:p>
+          <a:p>
             <a:r>
               <a:rPr lang="en-US" altLang="ko-KR" sz="2000" b="1" dirty="0"/>
-              <a:t>, </a:t>
-            </a:r>
-            <a:r>
-              <a:rPr lang="ko-KR" altLang="en-US" sz="2000" b="1" dirty="0"/>
-              <a:t>결과는 공개적으로 조회할 수 있다</a:t>
-            </a:r>
-            <a:endParaRPr lang="en-US" altLang="ko-KR" sz="2000" b="1" dirty="0"/>
+              <a:t>When a binary is </a:t>
+            </a:r>
+            <a:r>
+              <a:rPr lang="en-US" altLang="ko-KR" sz="2000" b="1" dirty="0" err="1"/>
+              <a:t>registerd</a:t>
+            </a:r>
+            <a:r>
+              <a:rPr lang="en-US" altLang="ko-KR" sz="2000" b="1" dirty="0"/>
+              <a:t> in the online vaccine scanning engine, the scan results are saved in the database, and the results can be viewed publicly</a:t>
+            </a:r>
           </a:p>
           <a:p>
             <a:pPr lvl="1"/>
             <a:r>
-              <a:rPr lang="ko-KR" altLang="en-US" sz="1600" dirty="0"/>
-              <a:t>공격자는 샘플이 탐지되었음을 인지하고 전략을 변경하거나 탐지를 회피할 수 있다</a:t>
-            </a:r>
+              <a:rPr lang="en-US" altLang="ko-KR" sz="1600" dirty="0"/>
+              <a:t>The attacker is aware that the sample has been detected and can change the strategy or </a:t>
+            </a:r>
+            <a:r>
+              <a:rPr lang="en-US" altLang="ko-KR" sz="1600"/>
+              <a:t>evade detection</a:t>
+            </a:r>
+            <a:endParaRPr lang="ko-KR" altLang="en-US" sz="1600" dirty="0"/>
           </a:p>
         </p:txBody>
       </p:sp>
